--- a/files/Discussion_David_8mins.pptx
+++ b/files/Discussion_David_8mins.pptx
@@ -7,21 +7,20 @@
     <p:sldMasterId id="2147483689" r:id="rId3"/>
   </p:sldMasterIdLst>
   <p:notesMasterIdLst>
-    <p:notesMasterId r:id="rId13"/>
+    <p:notesMasterId r:id="rId12"/>
   </p:notesMasterIdLst>
   <p:handoutMasterIdLst>
-    <p:handoutMasterId r:id="rId14"/>
+    <p:handoutMasterId r:id="rId13"/>
   </p:handoutMasterIdLst>
   <p:sldIdLst>
     <p:sldId id="256" r:id="rId4"/>
     <p:sldId id="273" r:id="rId5"/>
     <p:sldId id="277" r:id="rId6"/>
-    <p:sldId id="278" r:id="rId7"/>
+    <p:sldId id="288" r:id="rId7"/>
     <p:sldId id="287" r:id="rId8"/>
-    <p:sldId id="288" r:id="rId9"/>
-    <p:sldId id="289" r:id="rId10"/>
-    <p:sldId id="290" r:id="rId11"/>
-    <p:sldId id="286" r:id="rId12"/>
+    <p:sldId id="289" r:id="rId9"/>
+    <p:sldId id="290" r:id="rId10"/>
+    <p:sldId id="286" r:id="rId11"/>
   </p:sldIdLst>
   <p:sldSz cx="9144000" cy="5143500" type="screen16x9"/>
   <p:notesSz cx="6797675" cy="9926638"/>
@@ -820,90 +819,6 @@
 </p:notes>
 </file>
 
-<file path=ppt/notesSlides/notesSlide2.xml><?xml version="1.0" encoding="utf-8"?>
-<p:notes xmlns:a="http://schemas.openxmlformats.org/drawingml/2006/main" xmlns:r="http://schemas.openxmlformats.org/officeDocument/2006/relationships" xmlns:p="http://schemas.openxmlformats.org/presentationml/2006/main">
-  <p:cSld>
-    <p:spTree>
-      <p:nvGrpSpPr>
-        <p:cNvPr id="1" name=""/>
-        <p:cNvGrpSpPr/>
-        <p:nvPr/>
-      </p:nvGrpSpPr>
-      <p:grpSpPr>
-        <a:xfrm>
-          <a:off x="0" y="0"/>
-          <a:ext cx="0" cy="0"/>
-          <a:chOff x="0" y="0"/>
-          <a:chExt cx="0" cy="0"/>
-        </a:xfrm>
-      </p:grpSpPr>
-      <p:sp>
-        <p:nvSpPr>
-          <p:cNvPr id="2" name="Slide Image Placeholder 1"/>
-          <p:cNvSpPr>
-            <a:spLocks noGrp="1" noRot="1" noChangeAspect="1"/>
-          </p:cNvSpPr>
-          <p:nvPr>
-            <p:ph type="sldImg"/>
-          </p:nvPr>
-        </p:nvSpPr>
-        <p:spPr/>
-      </p:sp>
-      <p:sp>
-        <p:nvSpPr>
-          <p:cNvPr id="3" name="Notes Placeholder 2"/>
-          <p:cNvSpPr>
-            <a:spLocks noGrp="1"/>
-          </p:cNvSpPr>
-          <p:nvPr>
-            <p:ph type="body" idx="1"/>
-          </p:nvPr>
-        </p:nvSpPr>
-        <p:spPr/>
-        <p:txBody>
-          <a:bodyPr/>
-          <a:lstStyle/>
-          <a:p>
-            <a:endParaRPr lang="en-US" dirty="0"/>
-          </a:p>
-        </p:txBody>
-      </p:sp>
-      <p:sp>
-        <p:nvSpPr>
-          <p:cNvPr id="4" name="Slide Number Placeholder 3"/>
-          <p:cNvSpPr>
-            <a:spLocks noGrp="1"/>
-          </p:cNvSpPr>
-          <p:nvPr>
-            <p:ph type="sldNum" sz="quarter" idx="5"/>
-          </p:nvPr>
-        </p:nvSpPr>
-        <p:spPr/>
-        <p:txBody>
-          <a:bodyPr/>
-          <a:lstStyle/>
-          <a:p>
-            <a:fld id="{E59BDDC2-5BFA-453C-A225-5004D8F0E7E2}" type="slidenum">
-              <a:rPr lang="da-DK" smtClean="0"/>
-              <a:t>4</a:t>
-            </a:fld>
-            <a:endParaRPr lang="da-DK"/>
-          </a:p>
-        </p:txBody>
-      </p:sp>
-    </p:spTree>
-    <p:extLst>
-      <p:ext uri="{BB962C8B-B14F-4D97-AF65-F5344CB8AC3E}">
-        <p14:creationId xmlns:p14="http://schemas.microsoft.com/office/powerpoint/2010/main" val="2207030079"/>
-      </p:ext>
-    </p:extLst>
-  </p:cSld>
-  <p:clrMapOvr>
-    <a:masterClrMapping/>
-  </p:clrMapOvr>
-</p:notes>
-</file>
-
 <file path=ppt/slideLayouts/slideLayout1.xml><?xml version="1.0" encoding="utf-8"?>
 <p:sldLayout xmlns:a="http://schemas.openxmlformats.org/drawingml/2006/main" xmlns:r="http://schemas.openxmlformats.org/officeDocument/2006/relationships" xmlns:p="http://schemas.openxmlformats.org/presentationml/2006/main" preserve="1" userDrawn="1">
   <p:cSld name="A">
@@ -953,7 +868,7 @@
           <a:noFill/>
           <a:extLst>
             <a:ext uri="{909E8E84-426E-40dd-AFC4-6F175D3DCCD1}">
-              <a14:hiddenFill xmlns:a14="http://schemas.microsoft.com/office/drawing/2010/main" xmlns="">
+              <a14:hiddenFill xmlns="" xmlns:a14="http://schemas.microsoft.com/office/drawing/2010/main">
                 <a:solidFill>
                   <a:srgbClr val="FFFFFF"/>
                 </a:solidFill>
@@ -1356,7 +1271,7 @@
           <a:noFill/>
           <a:extLst>
             <a:ext uri="{909E8E84-426E-40dd-AFC4-6F175D3DCCD1}">
-              <a14:hiddenFill xmlns:a14="http://schemas.microsoft.com/office/drawing/2010/main" xmlns="">
+              <a14:hiddenFill xmlns="" xmlns:a14="http://schemas.microsoft.com/office/drawing/2010/main">
                 <a:solidFill>
                   <a:srgbClr val="FFFFFF"/>
                 </a:solidFill>
@@ -1597,7 +1512,7 @@
           <a:noFill/>
           <a:extLst>
             <a:ext uri="{909E8E84-426E-40dd-AFC4-6F175D3DCCD1}">
-              <a14:hiddenFill xmlns:a14="http://schemas.microsoft.com/office/drawing/2010/main" xmlns="">
+              <a14:hiddenFill xmlns="" xmlns:a14="http://schemas.microsoft.com/office/drawing/2010/main">
                 <a:solidFill>
                   <a:srgbClr val="FFFFFF"/>
                 </a:solidFill>
@@ -1895,7 +1810,7 @@
           <a:noFill/>
           <a:extLst>
             <a:ext uri="{909E8E84-426E-40dd-AFC4-6F175D3DCCD1}">
-              <a14:hiddenFill xmlns:a14="http://schemas.microsoft.com/office/drawing/2010/main" xmlns="">
+              <a14:hiddenFill xmlns="" xmlns:a14="http://schemas.microsoft.com/office/drawing/2010/main">
                 <a:solidFill>
                   <a:srgbClr val="FFFFFF"/>
                 </a:solidFill>
@@ -2089,7 +2004,7 @@
           <a:noFill/>
           <a:extLst>
             <a:ext uri="{909E8E84-426E-40dd-AFC4-6F175D3DCCD1}">
-              <a14:hiddenFill xmlns:a14="http://schemas.microsoft.com/office/drawing/2010/main" xmlns="">
+              <a14:hiddenFill xmlns="" xmlns:a14="http://schemas.microsoft.com/office/drawing/2010/main">
                 <a:solidFill>
                   <a:srgbClr val="FFFFFF"/>
                 </a:solidFill>
@@ -2275,7 +2190,7 @@
           <a:noFill/>
           <a:extLst>
             <a:ext uri="{909E8E84-426E-40dd-AFC4-6F175D3DCCD1}">
-              <a14:hiddenFill xmlns:a14="http://schemas.microsoft.com/office/drawing/2010/main" xmlns="">
+              <a14:hiddenFill xmlns="" xmlns:a14="http://schemas.microsoft.com/office/drawing/2010/main">
                 <a:solidFill>
                   <a:srgbClr val="FFFFFF"/>
                 </a:solidFill>
@@ -2683,7 +2598,7 @@
           <a:noFill/>
           <a:extLst>
             <a:ext uri="{909E8E84-426E-40dd-AFC4-6F175D3DCCD1}">
-              <a14:hiddenFill xmlns:a14="http://schemas.microsoft.com/office/drawing/2010/main" xmlns="">
+              <a14:hiddenFill xmlns="" xmlns:a14="http://schemas.microsoft.com/office/drawing/2010/main">
                 <a:solidFill>
                   <a:srgbClr val="FFFFFF"/>
                 </a:solidFill>
@@ -2795,7 +2710,7 @@
           <a:noFill/>
           <a:extLst>
             <a:ext uri="{909E8E84-426E-40dd-AFC4-6F175D3DCCD1}">
-              <a14:hiddenFill xmlns:a14="http://schemas.microsoft.com/office/drawing/2010/main" xmlns="">
+              <a14:hiddenFill xmlns="" xmlns:a14="http://schemas.microsoft.com/office/drawing/2010/main">
                 <a:solidFill>
                   <a:srgbClr val="FFFFFF"/>
                 </a:solidFill>
@@ -2963,7 +2878,7 @@
           <a:noFill/>
           <a:extLst>
             <a:ext uri="{909E8E84-426E-40dd-AFC4-6F175D3DCCD1}">
-              <a14:hiddenFill xmlns:a14="http://schemas.microsoft.com/office/drawing/2010/main" xmlns="">
+              <a14:hiddenFill xmlns="" xmlns:a14="http://schemas.microsoft.com/office/drawing/2010/main">
                 <a:solidFill>
                   <a:srgbClr val="FFFFFF"/>
                 </a:solidFill>
@@ -3233,7 +3148,7 @@
           <a:noFill/>
           <a:extLst>
             <a:ext uri="{909E8E84-426E-40dd-AFC4-6F175D3DCCD1}">
-              <a14:hiddenFill xmlns:a14="http://schemas.microsoft.com/office/drawing/2010/main" xmlns="">
+              <a14:hiddenFill xmlns="" xmlns:a14="http://schemas.microsoft.com/office/drawing/2010/main">
                 <a:solidFill>
                   <a:srgbClr val="FFFFFF"/>
                 </a:solidFill>
@@ -3509,7 +3424,7 @@
           <a:noFill/>
           <a:extLst>
             <a:ext uri="{909E8E84-426E-40dd-AFC4-6F175D3DCCD1}">
-              <a14:hiddenFill xmlns:a14="http://schemas.microsoft.com/office/drawing/2010/main" xmlns="">
+              <a14:hiddenFill xmlns="" xmlns:a14="http://schemas.microsoft.com/office/drawing/2010/main">
                 <a:solidFill>
                   <a:srgbClr val="FFFFFF"/>
                 </a:solidFill>
@@ -3785,7 +3700,7 @@
           <a:noFill/>
           <a:extLst>
             <a:ext uri="{909E8E84-426E-40dd-AFC4-6F175D3DCCD1}">
-              <a14:hiddenFill xmlns:a14="http://schemas.microsoft.com/office/drawing/2010/main" xmlns="">
+              <a14:hiddenFill xmlns="" xmlns:a14="http://schemas.microsoft.com/office/drawing/2010/main">
                 <a:solidFill>
                   <a:srgbClr val="FFFFFF"/>
                 </a:solidFill>
@@ -3935,7 +3850,7 @@
           <a:noFill/>
           <a:extLst>
             <a:ext uri="{909E8E84-426E-40dd-AFC4-6F175D3DCCD1}">
-              <a14:hiddenFill xmlns:a14="http://schemas.microsoft.com/office/drawing/2010/main" xmlns="">
+              <a14:hiddenFill xmlns="" xmlns:a14="http://schemas.microsoft.com/office/drawing/2010/main">
                 <a:solidFill>
                   <a:srgbClr val="FFFFFF"/>
                 </a:solidFill>
@@ -3976,7 +3891,7 @@
           <a:noFill/>
           <a:extLst>
             <a:ext uri="{909E8E84-426E-40dd-AFC4-6F175D3DCCD1}">
-              <a14:hiddenFill xmlns:a14="http://schemas.microsoft.com/office/drawing/2010/main" xmlns="">
+              <a14:hiddenFill xmlns="" xmlns:a14="http://schemas.microsoft.com/office/drawing/2010/main">
                 <a:solidFill>
                   <a:srgbClr val="FFFFFF"/>
                 </a:solidFill>
@@ -4201,7 +4116,7 @@
           <a:noFill/>
           <a:extLst>
             <a:ext uri="{909E8E84-426E-40dd-AFC4-6F175D3DCCD1}">
-              <a14:hiddenFill xmlns:a14="http://schemas.microsoft.com/office/drawing/2010/main" xmlns="">
+              <a14:hiddenFill xmlns="" xmlns:a14="http://schemas.microsoft.com/office/drawing/2010/main">
                 <a:solidFill>
                   <a:srgbClr val="FFFFFF"/>
                 </a:solidFill>
@@ -4375,7 +4290,7 @@
           <a:noFill/>
           <a:extLst>
             <a:ext uri="{909E8E84-426E-40dd-AFC4-6F175D3DCCD1}">
-              <a14:hiddenFill xmlns:a14="http://schemas.microsoft.com/office/drawing/2010/main" xmlns="">
+              <a14:hiddenFill xmlns="" xmlns:a14="http://schemas.microsoft.com/office/drawing/2010/main">
                 <a:solidFill>
                   <a:srgbClr val="FFFFFF"/>
                 </a:solidFill>
@@ -4525,7 +4440,7 @@
           <a:noFill/>
           <a:extLst>
             <a:ext uri="{909E8E84-426E-40dd-AFC4-6F175D3DCCD1}">
-              <a14:hiddenFill xmlns:a14="http://schemas.microsoft.com/office/drawing/2010/main" xmlns="">
+              <a14:hiddenFill xmlns="" xmlns:a14="http://schemas.microsoft.com/office/drawing/2010/main">
                 <a:solidFill>
                   <a:srgbClr val="FFFFFF"/>
                 </a:solidFill>
@@ -4566,7 +4481,7 @@
           <a:noFill/>
           <a:extLst>
             <a:ext uri="{909E8E84-426E-40dd-AFC4-6F175D3DCCD1}">
-              <a14:hiddenFill xmlns:a14="http://schemas.microsoft.com/office/drawing/2010/main" xmlns="">
+              <a14:hiddenFill xmlns="" xmlns:a14="http://schemas.microsoft.com/office/drawing/2010/main">
                 <a:solidFill>
                   <a:srgbClr val="FFFFFF"/>
                 </a:solidFill>
@@ -4915,7 +4830,7 @@
           <a:noFill/>
           <a:extLst>
             <a:ext uri="{909E8E84-426E-40dd-AFC4-6F175D3DCCD1}">
-              <a14:hiddenFill xmlns:a14="http://schemas.microsoft.com/office/drawing/2010/main" xmlns="">
+              <a14:hiddenFill xmlns="" xmlns:a14="http://schemas.microsoft.com/office/drawing/2010/main">
                 <a:solidFill>
                   <a:srgbClr val="FFFFFF"/>
                 </a:solidFill>
@@ -5178,7 +5093,7 @@
           <a:noFill/>
           <a:extLst>
             <a:ext uri="{909E8E84-426E-40dd-AFC4-6F175D3DCCD1}">
-              <a14:hiddenFill xmlns:a14="http://schemas.microsoft.com/office/drawing/2010/main" xmlns="">
+              <a14:hiddenFill xmlns="" xmlns:a14="http://schemas.microsoft.com/office/drawing/2010/main">
                 <a:solidFill>
                   <a:srgbClr val="FFFFFF"/>
                 </a:solidFill>
@@ -5311,7 +5226,7 @@
           <a:noFill/>
           <a:extLst>
             <a:ext uri="{909E8E84-426E-40dd-AFC4-6F175D3DCCD1}">
-              <a14:hiddenFill xmlns:a14="http://schemas.microsoft.com/office/drawing/2010/main" xmlns="">
+              <a14:hiddenFill xmlns="" xmlns:a14="http://schemas.microsoft.com/office/drawing/2010/main">
                 <a:solidFill>
                   <a:srgbClr val="FFFFFF"/>
                 </a:solidFill>
@@ -5697,7 +5612,7 @@
           <a:noFill/>
           <a:extLst>
             <a:ext uri="{909E8E84-426E-40dd-AFC4-6F175D3DCCD1}">
-              <a14:hiddenFill xmlns:a14="http://schemas.microsoft.com/office/drawing/2010/main" xmlns="">
+              <a14:hiddenFill xmlns="" xmlns:a14="http://schemas.microsoft.com/office/drawing/2010/main">
                 <a:solidFill>
                   <a:srgbClr val="FFFFFF"/>
                 </a:solidFill>
@@ -6042,7 +5957,7 @@
           <a:noFill/>
           <a:extLst>
             <a:ext uri="{909E8E84-426E-40dd-AFC4-6F175D3DCCD1}">
-              <a14:hiddenFill xmlns="" xmlns:a14="http://schemas.microsoft.com/office/drawing/2010/main">
+              <a14:hiddenFill xmlns:a14="http://schemas.microsoft.com/office/drawing/2010/main" xmlns="">
                 <a:solidFill>
                   <a:srgbClr val="FFFFFF"/>
                 </a:solidFill>
@@ -6247,7 +6162,7 @@
           <a:noFill/>
           <a:extLst>
             <a:ext uri="{909E8E84-426E-40dd-AFC4-6F175D3DCCD1}">
-              <a14:hiddenFill xmlns:a14="http://schemas.microsoft.com/office/drawing/2010/main" xmlns="">
+              <a14:hiddenFill xmlns="" xmlns:a14="http://schemas.microsoft.com/office/drawing/2010/main">
                 <a:solidFill>
                   <a:srgbClr val="FFFFFF"/>
                 </a:solidFill>
@@ -6488,7 +6403,7 @@
           <a:noFill/>
           <a:extLst>
             <a:ext uri="{909E8E84-426E-40dd-AFC4-6F175D3DCCD1}">
-              <a14:hiddenFill xmlns:a14="http://schemas.microsoft.com/office/drawing/2010/main" xmlns="">
+              <a14:hiddenFill xmlns="" xmlns:a14="http://schemas.microsoft.com/office/drawing/2010/main">
                 <a:solidFill>
                   <a:srgbClr val="FFFFFF"/>
                 </a:solidFill>
@@ -8119,7 +8034,7 @@
                 <a:ea typeface="Malgun Gothic" panose="020B0503020000020004" pitchFamily="34" charset="-127"/>
                 <a:cs typeface="Times New Roman" panose="02020603050405020304" pitchFamily="18" charset="0"/>
               </a:rPr>
-              <a:t>Why can't the parties contract it out?</a:t>
+              <a:t>Frictions that makes Vietnamese SMEs difficult to avoid hold-up</a:t>
             </a:r>
           </a:p>
           <a:p>
@@ -8136,7 +8051,7 @@
                 <a:ea typeface="Malgun Gothic" panose="020B0503020000020004" pitchFamily="34" charset="-127"/>
                 <a:cs typeface="Times New Roman" panose="02020603050405020304" pitchFamily="18" charset="0"/>
               </a:rPr>
-              <a:t>S</a:t>
+              <a:t>SMEs </a:t>
             </a:r>
             <a:r>
               <a:rPr lang="en-US" sz="1800" dirty="0">
@@ -8145,7 +8060,7 @@
                 <a:ea typeface="Malgun Gothic" panose="020B0503020000020004" pitchFamily="34" charset="-127"/>
                 <a:cs typeface="Times New Roman" panose="02020603050405020304" pitchFamily="18" charset="0"/>
               </a:rPr>
-              <a:t>mall firms have limited financial resources to hedge against hold-ups</a:t>
+              <a:t>lack financial resources to hedge against hold-ups (e.g., credit rationing)</a:t>
             </a:r>
           </a:p>
           <a:p>
@@ -8326,10 +8241,10 @@
       </p:grpSpPr>
       <p:sp>
         <p:nvSpPr>
-          <p:cNvPr id="2" name="Content Placeholder 1">
+          <p:cNvPr id="6" name="Content Placeholder 5">
             <a:extLst>
               <a:ext uri="{FF2B5EF4-FFF2-40B4-BE49-F238E27FC236}">
-                <a16:creationId xmlns:a16="http://schemas.microsoft.com/office/drawing/2014/main" id="{31F9D01C-CAD1-852B-E75A-DAD29227F36C}"/>
+                <a16:creationId xmlns:a16="http://schemas.microsoft.com/office/drawing/2014/main" id="{BC7A266B-CAD4-6591-7DE6-40C32994784A}"/>
               </a:ext>
             </a:extLst>
           </p:cNvPr>
@@ -8343,138 +8258,124 @@
         <p:spPr/>
         <p:txBody>
           <a:bodyPr>
-            <a:noAutofit/>
+            <a:normAutofit/>
           </a:bodyPr>
           <a:lstStyle/>
           <a:p>
-            <a:pPr algn="ctr"/>
-            <a:r>
-              <a:rPr lang="en-US" sz="1800" dirty="0"/>
-              <a:t>Corollary: ‘supplier RSI is </a:t>
-            </a:r>
-            <a:r>
-              <a:rPr lang="en-US" sz="1800" i="1" dirty="0">
-                <a:solidFill>
-                  <a:srgbClr val="FF0000"/>
-                </a:solidFill>
-              </a:rPr>
-              <a:t>ex post </a:t>
-            </a:r>
-            <a:r>
-              <a:rPr lang="en-US" sz="1800" dirty="0"/>
-              <a:t>riskier (relative to customer RSI)’</a:t>
-            </a:r>
-          </a:p>
-          <a:p>
-            <a:r>
-              <a:rPr lang="en-US" sz="1800" b="1" dirty="0"/>
-              <a:t>Equilibrium response</a:t>
-            </a:r>
-            <a:r>
-              <a:rPr lang="en-US" sz="1800" dirty="0"/>
-              <a:t>: firms will </a:t>
-            </a:r>
-            <a:r>
-              <a:rPr lang="en-US" sz="1800" i="1" dirty="0">
-                <a:solidFill>
-                  <a:srgbClr val="00B050"/>
-                </a:solidFill>
-              </a:rPr>
-              <a:t>ex ante </a:t>
-            </a:r>
-            <a:r>
-              <a:rPr lang="en-US" sz="1800" dirty="0"/>
-              <a:t>avoid supplier RSI</a:t>
+            <a:r>
+              <a:rPr lang="en-US" dirty="0"/>
+              <a:t>Does the </a:t>
+            </a:r>
+            <a:r>
+              <a:rPr lang="en-US" i="1" dirty="0"/>
+              <a:t>survey</a:t>
+            </a:r>
+            <a:r>
+              <a:rPr lang="en-US" dirty="0"/>
+              <a:t> data provide a better measure for RSI? </a:t>
             </a:r>
           </a:p>
           <a:p>
             <a:pPr marL="342900" indent="-342900">
               <a:buFont typeface="Arial" panose="020B0604020202020204" pitchFamily="34" charset="0"/>
-              <a:buChar char="•"/>
+              <a:buChar char="–"/>
             </a:pPr>
             <a:r>
-              <a:rPr lang="en-US" sz="1800" dirty="0"/>
-              <a:t>Those who still do it are likely to</a:t>
-            </a:r>
-          </a:p>
-          <a:p>
-            <a:pPr marL="1085850" lvl="1" indent="-342900">
-              <a:buFont typeface="Arial" panose="020B0604020202020204" pitchFamily="34" charset="0"/>
-              <a:buChar char="•"/>
-            </a:pPr>
-            <a:r>
-              <a:rPr lang="en-US" sz="1800" dirty="0"/>
-              <a:t>Have weak bargaining power against the supplier (e.g., small size, and likely financially constrained)</a:t>
-            </a:r>
-          </a:p>
-          <a:p>
-            <a:r>
-              <a:rPr lang="en-US" sz="1800" dirty="0"/>
-              <a:t>Is the identification strategy suitable to test the model’s prediction?</a:t>
+              <a:rPr lang="en-US" dirty="0"/>
+              <a:t>It seems so, emphasize it!</a:t>
             </a:r>
           </a:p>
           <a:p>
             <a:pPr marL="342900" indent="-342900">
               <a:buFont typeface="Arial" panose="020B0604020202020204" pitchFamily="34" charset="0"/>
-              <a:buChar char="•"/>
+              <a:buChar char="–"/>
             </a:pPr>
             <a:r>
-              <a:rPr lang="en-US" sz="1800" dirty="0"/>
-              <a:t>In equilibrium, simple regressions capture the </a:t>
-            </a:r>
-            <a:r>
-              <a:rPr lang="en-US" sz="1800" i="1" dirty="0">
-                <a:solidFill>
-                  <a:srgbClr val="00B050"/>
-                </a:solidFill>
-              </a:rPr>
-              <a:t>ex-ante </a:t>
-            </a:r>
-            <a:r>
-              <a:rPr lang="en-US" sz="1800" dirty="0"/>
-              <a:t>response </a:t>
+              <a:rPr lang="en-US" dirty="0"/>
+              <a:t>Other papers seem to use indirect/estimated proxies </a:t>
+            </a:r>
+            <a:r>
+              <a:rPr lang="en-US" sz="1600" dirty="0"/>
+              <a:t>(e.g., Kale and </a:t>
+            </a:r>
+            <a:r>
+              <a:rPr lang="en-US" sz="1600" dirty="0" err="1"/>
+              <a:t>Shahrur</a:t>
+            </a:r>
+            <a:r>
+              <a:rPr lang="en-US" sz="1600" dirty="0"/>
+              <a:t> (2007), Costello 2013, </a:t>
+            </a:r>
+            <a:r>
+              <a:rPr lang="en-US" sz="1600" dirty="0" err="1"/>
+              <a:t>Dass</a:t>
+            </a:r>
+            <a:r>
+              <a:rPr lang="en-US" sz="1600" dirty="0"/>
+              <a:t>, Kale, and Nanda (2015))</a:t>
+            </a:r>
+          </a:p>
+          <a:p>
+            <a:r>
+              <a:rPr lang="en-US" dirty="0"/>
+              <a:t>Is it the best dataset to study RSI? </a:t>
             </a:r>
           </a:p>
           <a:p>
             <a:pPr marL="342900" indent="-342900">
               <a:buFont typeface="Arial" panose="020B0604020202020204" pitchFamily="34" charset="0"/>
-              <a:buChar char="•"/>
+              <a:buChar char="–"/>
             </a:pPr>
             <a:r>
-              <a:rPr lang="en-US" sz="1800" dirty="0"/>
-              <a:t>Supplier RSI, a proxy for weak-power firms, positively correlates with financial constraints </a:t>
+              <a:rPr lang="en-US" dirty="0"/>
+              <a:t>Only 6-8% firms in the sample do some form of RSI</a:t>
             </a:r>
           </a:p>
           <a:p>
             <a:pPr marL="342900" indent="-342900">
               <a:buFont typeface="Arial" panose="020B0604020202020204" pitchFamily="34" charset="0"/>
-              <a:buChar char="•"/>
+              <a:buChar char="–"/>
             </a:pPr>
             <a:r>
-              <a:rPr lang="en-US" sz="1800" dirty="0"/>
-              <a:t>Correlation doesn’t support </a:t>
-            </a:r>
-            <a:r>
-              <a:rPr lang="en-US" sz="1800" i="1" dirty="0">
-                <a:solidFill>
-                  <a:srgbClr val="FF0000"/>
-                </a:solidFill>
+              <a:rPr lang="en-US" dirty="0"/>
+              <a:t>Conditional on investment (50% of sample) </a:t>
+            </a:r>
+            <a:r>
+              <a:rPr lang="en-US" dirty="0">
+                <a:sym typeface="Wingdings" panose="05000000000000000000" pitchFamily="2" charset="2"/>
               </a:rPr>
-              <a:t>ex-post</a:t>
-            </a:r>
-            <a:r>
-              <a:rPr lang="en-US" sz="1800" dirty="0"/>
-              <a:t> prediction, ‘supplier RSI increases financial constraints’</a:t>
-            </a:r>
-          </a:p>
-        </p:txBody>
-      </p:sp>
-      <p:sp>
-        <p:nvSpPr>
-          <p:cNvPr id="3" name="Text Placeholder 2">
+              <a:t></a:t>
+            </a:r>
+            <a:r>
+              <a:rPr lang="en-US" dirty="0"/>
+              <a:t> increases 2x</a:t>
+            </a:r>
+          </a:p>
+          <a:p>
+            <a:pPr marL="342900" indent="-342900">
+              <a:buFont typeface="Arial" panose="020B0604020202020204" pitchFamily="34" charset="0"/>
+              <a:buChar char="–"/>
+            </a:pPr>
+            <a:r>
+              <a:rPr lang="en-US" dirty="0"/>
+              <a:t>Provide other reasons why the level is relatively low</a:t>
+            </a:r>
+          </a:p>
+          <a:p>
+            <a:pPr marL="1085850" lvl="1" indent="-342900"/>
+            <a:r>
+              <a:rPr lang="en-US" dirty="0"/>
+              <a:t>E.g., Vietnamese law and small firm size</a:t>
+            </a:r>
+          </a:p>
+        </p:txBody>
+      </p:sp>
+      <p:sp>
+        <p:nvSpPr>
+          <p:cNvPr id="5" name="Text Placeholder 4">
             <a:extLst>
               <a:ext uri="{FF2B5EF4-FFF2-40B4-BE49-F238E27FC236}">
-                <a16:creationId xmlns:a16="http://schemas.microsoft.com/office/drawing/2014/main" id="{7CE67EA7-83B7-C8CF-54E2-EAEDB264AE28}"/>
+                <a16:creationId xmlns:a16="http://schemas.microsoft.com/office/drawing/2014/main" id="{2059B151-931A-ABEE-07D4-14E674F8680D}"/>
               </a:ext>
             </a:extLst>
           </p:cNvPr>
@@ -8485,19 +8386,14 @@
             <p:ph type="body" sz="quarter" idx="10"/>
           </p:nvPr>
         </p:nvSpPr>
-        <p:spPr>
-          <a:xfrm>
-            <a:off x="917575" y="304801"/>
-            <a:ext cx="7310438" cy="650060"/>
-          </a:xfrm>
-        </p:spPr>
+        <p:spPr/>
         <p:txBody>
           <a:bodyPr/>
           <a:lstStyle/>
           <a:p>
             <a:r>
-              <a:rPr lang="en-US" b="1" dirty="0"/>
-              <a:t>Identifying the equilibrium response</a:t>
+              <a:rPr lang="en-US" dirty="0"/>
+              <a:t>External validity: Why Vietnam?</a:t>
             </a:r>
           </a:p>
         </p:txBody>
@@ -8505,185 +8401,13 @@
     </p:spTree>
     <p:extLst>
       <p:ext uri="{BB962C8B-B14F-4D97-AF65-F5344CB8AC3E}">
-        <p14:creationId xmlns:p14="http://schemas.microsoft.com/office/powerpoint/2010/main" val="54247566"/>
+        <p14:creationId xmlns:p14="http://schemas.microsoft.com/office/powerpoint/2010/main" val="3562633224"/>
       </p:ext>
     </p:extLst>
   </p:cSld>
   <p:clrMapOvr>
     <a:masterClrMapping/>
   </p:clrMapOvr>
-  <p:timing>
-    <p:tnLst>
-      <p:par>
-        <p:cTn id="1" dur="indefinite" restart="never" nodeType="tmRoot">
-          <p:childTnLst>
-            <p:seq concurrent="1" nextAc="seek">
-              <p:cTn id="2" dur="indefinite" nodeType="mainSeq">
-                <p:childTnLst>
-                  <p:par>
-                    <p:cTn id="3" fill="hold">
-                      <p:stCondLst>
-                        <p:cond delay="indefinite"/>
-                      </p:stCondLst>
-                      <p:childTnLst>
-                        <p:par>
-                          <p:cTn id="4" fill="hold">
-                            <p:stCondLst>
-                              <p:cond delay="0"/>
-                            </p:stCondLst>
-                            <p:childTnLst>
-                              <p:par>
-                                <p:cTn id="5" presetID="1" presetClass="entr" presetSubtype="0" fill="hold" nodeType="clickEffect">
-                                  <p:stCondLst>
-                                    <p:cond delay="0"/>
-                                  </p:stCondLst>
-                                  <p:childTnLst>
-                                    <p:set>
-                                      <p:cBhvr>
-                                        <p:cTn id="6" dur="1" fill="hold">
-                                          <p:stCondLst>
-                                            <p:cond delay="0"/>
-                                          </p:stCondLst>
-                                        </p:cTn>
-                                        <p:tgtEl>
-                                          <p:spTgt spid="2">
-                                            <p:txEl>
-                                              <p:pRg st="4" end="4"/>
-                                            </p:txEl>
-                                          </p:spTgt>
-                                        </p:tgtEl>
-                                        <p:attrNameLst>
-                                          <p:attrName>style.visibility</p:attrName>
-                                        </p:attrNameLst>
-                                      </p:cBhvr>
-                                      <p:to>
-                                        <p:strVal val="visible"/>
-                                      </p:to>
-                                    </p:set>
-                                  </p:childTnLst>
-                                </p:cTn>
-                              </p:par>
-                              <p:par>
-                                <p:cTn id="7" presetID="1" presetClass="entr" presetSubtype="0" fill="hold" nodeType="withEffect">
-                                  <p:stCondLst>
-                                    <p:cond delay="0"/>
-                                  </p:stCondLst>
-                                  <p:childTnLst>
-                                    <p:set>
-                                      <p:cBhvr>
-                                        <p:cTn id="8" dur="1" fill="hold">
-                                          <p:stCondLst>
-                                            <p:cond delay="0"/>
-                                          </p:stCondLst>
-                                        </p:cTn>
-                                        <p:tgtEl>
-                                          <p:spTgt spid="2">
-                                            <p:txEl>
-                                              <p:pRg st="5" end="5"/>
-                                            </p:txEl>
-                                          </p:spTgt>
-                                        </p:tgtEl>
-                                        <p:attrNameLst>
-                                          <p:attrName>style.visibility</p:attrName>
-                                        </p:attrNameLst>
-                                      </p:cBhvr>
-                                      <p:to>
-                                        <p:strVal val="visible"/>
-                                      </p:to>
-                                    </p:set>
-                                  </p:childTnLst>
-                                </p:cTn>
-                              </p:par>
-                              <p:par>
-                                <p:cTn id="9" presetID="1" presetClass="entr" presetSubtype="0" fill="hold" nodeType="withEffect">
-                                  <p:stCondLst>
-                                    <p:cond delay="0"/>
-                                  </p:stCondLst>
-                                  <p:childTnLst>
-                                    <p:set>
-                                      <p:cBhvr>
-                                        <p:cTn id="10" dur="1" fill="hold">
-                                          <p:stCondLst>
-                                            <p:cond delay="0"/>
-                                          </p:stCondLst>
-                                        </p:cTn>
-                                        <p:tgtEl>
-                                          <p:spTgt spid="2">
-                                            <p:txEl>
-                                              <p:pRg st="6" end="6"/>
-                                            </p:txEl>
-                                          </p:spTgt>
-                                        </p:tgtEl>
-                                        <p:attrNameLst>
-                                          <p:attrName>style.visibility</p:attrName>
-                                        </p:attrNameLst>
-                                      </p:cBhvr>
-                                      <p:to>
-                                        <p:strVal val="visible"/>
-                                      </p:to>
-                                    </p:set>
-                                  </p:childTnLst>
-                                </p:cTn>
-                              </p:par>
-                              <p:par>
-                                <p:cTn id="11" presetID="1" presetClass="entr" presetSubtype="0" fill="hold" nodeType="withEffect">
-                                  <p:stCondLst>
-                                    <p:cond delay="0"/>
-                                  </p:stCondLst>
-                                  <p:childTnLst>
-                                    <p:set>
-                                      <p:cBhvr>
-                                        <p:cTn id="12" dur="1" fill="hold">
-                                          <p:stCondLst>
-                                            <p:cond delay="0"/>
-                                          </p:stCondLst>
-                                        </p:cTn>
-                                        <p:tgtEl>
-                                          <p:spTgt spid="2">
-                                            <p:txEl>
-                                              <p:pRg st="7" end="7"/>
-                                            </p:txEl>
-                                          </p:spTgt>
-                                        </p:tgtEl>
-                                        <p:attrNameLst>
-                                          <p:attrName>style.visibility</p:attrName>
-                                        </p:attrNameLst>
-                                      </p:cBhvr>
-                                      <p:to>
-                                        <p:strVal val="visible"/>
-                                      </p:to>
-                                    </p:set>
-                                  </p:childTnLst>
-                                </p:cTn>
-                              </p:par>
-                            </p:childTnLst>
-                          </p:cTn>
-                        </p:par>
-                      </p:childTnLst>
-                    </p:cTn>
-                  </p:par>
-                </p:childTnLst>
-              </p:cTn>
-              <p:prevCondLst>
-                <p:cond evt="onPrev" delay="0">
-                  <p:tgtEl>
-                    <p:sldTgt/>
-                  </p:tgtEl>
-                </p:cond>
-              </p:prevCondLst>
-              <p:nextCondLst>
-                <p:cond evt="onNext" delay="0">
-                  <p:tgtEl>
-                    <p:sldTgt/>
-                  </p:tgtEl>
-                </p:cond>
-              </p:nextCondLst>
-            </p:seq>
-          </p:childTnLst>
-        </p:cTn>
-      </p:par>
-    </p:tnLst>
-  </p:timing>
 </p:sld>
 </file>
 
@@ -8704,8 +8428,8 @@
           <a:chExt cx="0" cy="0"/>
         </a:xfrm>
       </p:grpSpPr>
-      <mc:AlternateContent xmlns:mc="http://schemas.openxmlformats.org/markup-compatibility/2006">
-        <mc:Choice xmlns:a14="http://schemas.microsoft.com/office/drawing/2010/main" Requires="a14">
+      <mc:AlternateContent xmlns:mc="http://schemas.openxmlformats.org/markup-compatibility/2006" xmlns:a14="http://schemas.microsoft.com/office/drawing/2010/main">
+        <mc:Choice Requires="a14">
           <p:sp>
             <p:nvSpPr>
               <p:cNvPr id="6" name="Content Placeholder 5">
@@ -8938,7 +8662,7 @@
             </p:txBody>
           </p:sp>
         </mc:Choice>
-        <mc:Fallback>
+        <mc:Fallback xmlns="">
           <p:sp>
             <p:nvSpPr>
               <p:cNvPr id="6" name="Content Placeholder 5">
@@ -9054,115 +8778,117 @@
         </p:nvSpPr>
         <p:spPr/>
         <p:txBody>
-          <a:bodyPr>
-            <a:normAutofit/>
-          </a:bodyPr>
+          <a:bodyPr/>
           <a:lstStyle/>
           <a:p>
-            <a:r>
-              <a:rPr lang="en-US" dirty="0"/>
-              <a:t>Does the </a:t>
-            </a:r>
-            <a:r>
-              <a:rPr lang="en-US" i="1" dirty="0"/>
-              <a:t>survey</a:t>
-            </a:r>
-            <a:r>
-              <a:rPr lang="en-US" dirty="0"/>
-              <a:t> data provide a better measure for RSI? </a:t>
-            </a:r>
-          </a:p>
-          <a:p>
-            <a:pPr marL="342900" indent="-342900">
-              <a:buFont typeface="Arial" panose="020B0604020202020204" pitchFamily="34" charset="0"/>
-              <a:buChar char="–"/>
+            <a:pPr>
+              <a:lnSpc>
+                <a:spcPct val="107000"/>
+              </a:lnSpc>
+              <a:spcAft>
+                <a:spcPts val="800"/>
+              </a:spcAft>
             </a:pPr>
             <a:r>
-              <a:rPr lang="en-US" dirty="0"/>
-              <a:t>It seems so, emphasize it!</a:t>
-            </a:r>
-          </a:p>
-          <a:p>
-            <a:pPr marL="342900" indent="-342900">
-              <a:buFont typeface="Arial" panose="020B0604020202020204" pitchFamily="34" charset="0"/>
-              <a:buChar char="–"/>
+              <a:rPr lang="en-US" sz="1800" dirty="0">
+                <a:effectLst/>
+                <a:latin typeface="Calibri" panose="020F0502020204030204" pitchFamily="34" charset="0"/>
+                <a:ea typeface="Malgun Gothic" panose="020B0503020000020004" pitchFamily="34" charset="-127"/>
+                <a:cs typeface="Times New Roman" panose="02020603050405020304" pitchFamily="18" charset="0"/>
+              </a:rPr>
+              <a:t>Unclear to me whether and how </a:t>
+            </a:r>
+            <a:r>
+              <a:rPr lang="en-US" sz="1800" b="1" dirty="0">
+                <a:effectLst/>
+                <a:latin typeface="Calibri" panose="020F0502020204030204" pitchFamily="34" charset="0"/>
+                <a:ea typeface="Malgun Gothic" panose="020B0503020000020004" pitchFamily="34" charset="-127"/>
+                <a:cs typeface="Times New Roman" panose="02020603050405020304" pitchFamily="18" charset="0"/>
+              </a:rPr>
+              <a:t>banks</a:t>
+            </a:r>
+            <a:r>
+              <a:rPr lang="en-US" sz="1800" dirty="0">
+                <a:effectLst/>
+                <a:latin typeface="Calibri" panose="020F0502020204030204" pitchFamily="34" charset="0"/>
+                <a:ea typeface="Malgun Gothic" panose="020B0503020000020004" pitchFamily="34" charset="-127"/>
+                <a:cs typeface="Times New Roman" panose="02020603050405020304" pitchFamily="18" charset="0"/>
+              </a:rPr>
+              <a:t> can observe RSI of a borrowing firm</a:t>
+            </a:r>
+          </a:p>
+          <a:p>
+            <a:pPr marL="342900" lvl="0" indent="-342900">
+              <a:lnSpc>
+                <a:spcPct val="107000"/>
+              </a:lnSpc>
+              <a:buFont typeface="Calibri" panose="020F0502020204030204" pitchFamily="34" charset="0"/>
+              <a:buChar char="-"/>
             </a:pPr>
             <a:r>
-              <a:rPr lang="en-US" dirty="0"/>
-              <a:t>Other papers seem to use indirect/estimated proxies </a:t>
-            </a:r>
-            <a:r>
-              <a:rPr lang="en-US" sz="1600" dirty="0"/>
-              <a:t>(e.g., Kale and </a:t>
-            </a:r>
-            <a:r>
-              <a:rPr lang="en-US" sz="1600" dirty="0" err="1"/>
-              <a:t>Shahrur</a:t>
-            </a:r>
-            <a:r>
-              <a:rPr lang="en-US" sz="1600" dirty="0"/>
-              <a:t> (2007), Costello 2013, </a:t>
-            </a:r>
-            <a:r>
-              <a:rPr lang="en-US" sz="1600" dirty="0" err="1"/>
-              <a:t>Dass</a:t>
-            </a:r>
-            <a:r>
-              <a:rPr lang="en-US" sz="1600" dirty="0"/>
-              <a:t>, Kale, and Nanda (2015))</a:t>
-            </a:r>
-          </a:p>
-          <a:p>
-            <a:r>
-              <a:rPr lang="en-US" dirty="0"/>
-              <a:t>Is it the best dataset to study RSI? </a:t>
-            </a:r>
-          </a:p>
-          <a:p>
-            <a:pPr marL="342900" indent="-342900">
-              <a:buFont typeface="Arial" panose="020B0604020202020204" pitchFamily="34" charset="0"/>
-              <a:buChar char="–"/>
+              <a:rPr lang="en-US" sz="1800" dirty="0">
+                <a:effectLst/>
+                <a:latin typeface="Calibri" panose="020F0502020204030204" pitchFamily="34" charset="0"/>
+                <a:ea typeface="Malgun Gothic" panose="020B0503020000020004" pitchFamily="34" charset="-127"/>
+                <a:cs typeface="Times New Roman" panose="02020603050405020304" pitchFamily="18" charset="0"/>
+              </a:rPr>
+              <a:t>RSI is defined as: “investments in production and/or information technology and human capital upgrading” that are specific to a supplier or customer</a:t>
+            </a:r>
+          </a:p>
+          <a:p>
+            <a:pPr marL="1085850" lvl="1" indent="-342900">
+              <a:lnSpc>
+                <a:spcPct val="107000"/>
+              </a:lnSpc>
+              <a:buFont typeface="Calibri" panose="020F0502020204030204" pitchFamily="34" charset="0"/>
+              <a:buChar char="-"/>
             </a:pPr>
             <a:r>
-              <a:rPr lang="en-US" dirty="0"/>
-              <a:t>Only 6-8% firms in the sample do some form of RSI</a:t>
-            </a:r>
-          </a:p>
-          <a:p>
-            <a:pPr marL="342900" indent="-342900">
-              <a:buFont typeface="Arial" panose="020B0604020202020204" pitchFamily="34" charset="0"/>
-              <a:buChar char="–"/>
+              <a:rPr lang="en-US" sz="1800" dirty="0">
+                <a:latin typeface="Calibri" panose="020F0502020204030204" pitchFamily="34" charset="0"/>
+                <a:ea typeface="Malgun Gothic" panose="020B0503020000020004" pitchFamily="34" charset="-127"/>
+                <a:cs typeface="Times New Roman" panose="02020603050405020304" pitchFamily="18" charset="0"/>
+              </a:rPr>
+              <a:t>Sounds difficult for banks to observe/verify</a:t>
+            </a:r>
+          </a:p>
+          <a:p>
+            <a:pPr marL="1085850" lvl="1" indent="-342900">
+              <a:lnSpc>
+                <a:spcPct val="107000"/>
+              </a:lnSpc>
+              <a:buFont typeface="Calibri" panose="020F0502020204030204" pitchFamily="34" charset="0"/>
+              <a:buChar char="-"/>
             </a:pPr>
             <a:r>
-              <a:rPr lang="en-US" dirty="0"/>
-              <a:t>Conditional on investment (50% of sample) </a:t>
-            </a:r>
-            <a:r>
-              <a:rPr lang="en-US" dirty="0">
-                <a:sym typeface="Wingdings" panose="05000000000000000000" pitchFamily="2" charset="2"/>
+              <a:rPr lang="en-US" sz="1800" dirty="0">
+                <a:effectLst/>
+                <a:latin typeface="Calibri" panose="020F0502020204030204" pitchFamily="34" charset="0"/>
+                <a:ea typeface="Malgun Gothic" panose="020B0503020000020004" pitchFamily="34" charset="-127"/>
+                <a:cs typeface="Times New Roman" panose="02020603050405020304" pitchFamily="18" charset="0"/>
               </a:rPr>
-              <a:t></a:t>
-            </a:r>
-            <a:r>
-              <a:rPr lang="en-US" dirty="0"/>
-              <a:t> increases 2x</a:t>
-            </a:r>
-          </a:p>
-          <a:p>
-            <a:pPr marL="342900" indent="-342900">
-              <a:buFont typeface="Arial" panose="020B0604020202020204" pitchFamily="34" charset="0"/>
-              <a:buChar char="–"/>
+              <a:t>Also, firms have no incentive to reveal the level of RSI</a:t>
+            </a:r>
+          </a:p>
+          <a:p>
+            <a:pPr marL="342900" lvl="0" indent="-342900">
+              <a:lnSpc>
+                <a:spcPct val="107000"/>
+              </a:lnSpc>
+              <a:spcAft>
+                <a:spcPts val="800"/>
+              </a:spcAft>
+              <a:buFont typeface="Calibri" panose="020F0502020204030204" pitchFamily="34" charset="0"/>
+              <a:buChar char="-"/>
             </a:pPr>
             <a:r>
-              <a:rPr lang="en-US" dirty="0"/>
-              <a:t>Provide other reasons why the level is relatively low</a:t>
-            </a:r>
-          </a:p>
-          <a:p>
-            <a:pPr marL="1085850" lvl="1" indent="-342900"/>
-            <a:r>
-              <a:rPr lang="en-US" dirty="0"/>
-              <a:t>E.g., Vietnamese law and small firm size</a:t>
+              <a:rPr lang="en-US" sz="1800" dirty="0">
+                <a:effectLst/>
+                <a:latin typeface="Calibri" panose="020F0502020204030204" pitchFamily="34" charset="0"/>
+                <a:ea typeface="Malgun Gothic" panose="020B0503020000020004" pitchFamily="34" charset="-127"/>
+                <a:cs typeface="Times New Roman" panose="02020603050405020304" pitchFamily="18" charset="0"/>
+              </a:rPr>
+              <a:t>If banks cannot, the observed difference in bank lending (Table 5) may not come from RSI intensity, but something else related, but more observable factors: supplier- and customer-concentration</a:t>
             </a:r>
           </a:p>
         </p:txBody>
@@ -9185,12 +8911,14 @@
         </p:nvSpPr>
         <p:spPr/>
         <p:txBody>
-          <a:bodyPr/>
+          <a:bodyPr>
+            <a:normAutofit/>
+          </a:bodyPr>
           <a:lstStyle/>
           <a:p>
             <a:r>
               <a:rPr lang="en-US" dirty="0"/>
-              <a:t>External validity: Why Vietnam?</a:t>
+              <a:t>Banks’ lending decision</a:t>
             </a:r>
           </a:p>
         </p:txBody>
@@ -9198,7 +8926,7 @@
     </p:spTree>
     <p:extLst>
       <p:ext uri="{BB962C8B-B14F-4D97-AF65-F5344CB8AC3E}">
-        <p14:creationId xmlns:p14="http://schemas.microsoft.com/office/powerpoint/2010/main" val="3562633224"/>
+        <p14:creationId xmlns:p14="http://schemas.microsoft.com/office/powerpoint/2010/main" val="690727624"/>
       </p:ext>
     </p:extLst>
   </p:cSld>
@@ -9243,8 +8971,32 @@
         </p:nvSpPr>
         <p:spPr/>
         <p:txBody>
-          <a:bodyPr/>
+          <a:bodyPr>
+            <a:normAutofit fontScale="92500" lnSpcReduction="20000"/>
+          </a:bodyPr>
           <a:lstStyle/>
+          <a:p>
+            <a:pPr>
+              <a:lnSpc>
+                <a:spcPct val="107000"/>
+              </a:lnSpc>
+              <a:spcBef>
+                <a:spcPts val="200"/>
+              </a:spcBef>
+            </a:pPr>
+            <a:r>
+              <a:rPr lang="en-US" sz="1800" b="1" dirty="0">
+                <a:solidFill>
+                  <a:srgbClr val="1F3763"/>
+                </a:solidFill>
+                <a:effectLst/>
+                <a:latin typeface="Calibri Light" panose="020F0302020204030204" pitchFamily="34" charset="0"/>
+                <a:ea typeface="Malgun Gothic" panose="020B0503020000020004" pitchFamily="34" charset="-127"/>
+                <a:cs typeface="Times New Roman" panose="02020603050405020304" pitchFamily="18" charset="0"/>
+              </a:rPr>
+              <a:t>Describe the sample more!</a:t>
+            </a:r>
+          </a:p>
           <a:p>
             <a:pPr>
               <a:lnSpc>
@@ -9255,31 +9007,92 @@
               </a:spcAft>
             </a:pPr>
             <a:r>
-              <a:rPr lang="en-US" sz="1800" dirty="0">
+              <a:rPr lang="en-US" sz="1600" dirty="0">
                 <a:effectLst/>
                 <a:latin typeface="Calibri" panose="020F0502020204030204" pitchFamily="34" charset="0"/>
                 <a:ea typeface="Malgun Gothic" panose="020B0503020000020004" pitchFamily="34" charset="-127"/>
                 <a:cs typeface="Times New Roman" panose="02020603050405020304" pitchFamily="18" charset="0"/>
               </a:rPr>
-              <a:t>Unclear to me whether and how </a:t>
-            </a:r>
-            <a:r>
-              <a:rPr lang="en-US" sz="1800" b="1" dirty="0">
+              <a:t>Vietnam has 58 provinces + 5 municipalities (Ho Chi Minh, Hanoi etc.). What are the chosen 9 ones, and why? Do they include developed regions?</a:t>
+            </a:r>
+          </a:p>
+          <a:p>
+            <a:pPr>
+              <a:lnSpc>
+                <a:spcPct val="107000"/>
+              </a:lnSpc>
+              <a:spcAft>
+                <a:spcPts val="800"/>
+              </a:spcAft>
+            </a:pPr>
+            <a:r>
+              <a:rPr lang="en-US" sz="1600" dirty="0">
                 <a:effectLst/>
                 <a:latin typeface="Calibri" panose="020F0502020204030204" pitchFamily="34" charset="0"/>
                 <a:ea typeface="Malgun Gothic" panose="020B0503020000020004" pitchFamily="34" charset="-127"/>
                 <a:cs typeface="Times New Roman" panose="02020603050405020304" pitchFamily="18" charset="0"/>
               </a:rPr>
-              <a:t>banks</a:t>
-            </a:r>
-            <a:r>
-              <a:rPr lang="en-US" sz="1800" dirty="0">
+              <a:t>What are the criteria to be included in the survey? Size, sales threshold? Need to know which firms are included/excluded</a:t>
+            </a:r>
+          </a:p>
+          <a:p>
+            <a:pPr>
+              <a:lnSpc>
+                <a:spcPct val="107000"/>
+              </a:lnSpc>
+              <a:spcBef>
+                <a:spcPts val="200"/>
+              </a:spcBef>
+            </a:pPr>
+            <a:r>
+              <a:rPr lang="en-US" sz="1800" b="1" dirty="0">
+                <a:solidFill>
+                  <a:srgbClr val="1F3763"/>
+                </a:solidFill>
+                <a:effectLst/>
+                <a:latin typeface="Calibri Light" panose="020F0302020204030204" pitchFamily="34" charset="0"/>
+                <a:ea typeface="Malgun Gothic" panose="020B0503020000020004" pitchFamily="34" charset="-127"/>
+                <a:cs typeface="Times New Roman" panose="02020603050405020304" pitchFamily="18" charset="0"/>
+              </a:rPr>
+              <a:t>Empirics</a:t>
+            </a:r>
+          </a:p>
+          <a:p>
+            <a:pPr>
+              <a:lnSpc>
+                <a:spcPct val="107000"/>
+              </a:lnSpc>
+              <a:spcAft>
+                <a:spcPts val="800"/>
+              </a:spcAft>
+            </a:pPr>
+            <a:r>
+              <a:rPr lang="en-US" sz="1600" dirty="0">
                 <a:effectLst/>
                 <a:latin typeface="Calibri" panose="020F0502020204030204" pitchFamily="34" charset="0"/>
                 <a:ea typeface="Malgun Gothic" panose="020B0503020000020004" pitchFamily="34" charset="-127"/>
                 <a:cs typeface="Times New Roman" panose="02020603050405020304" pitchFamily="18" charset="0"/>
               </a:rPr>
-              <a:t> can observe RSI of a borrowing firm</a:t>
+              <a:t>Try include geographic region-fixed effects (9 provinces in the sample); don’t know how heterogeneous the provinces are, but better be conservative</a:t>
+            </a:r>
+          </a:p>
+          <a:p>
+            <a:pPr>
+              <a:lnSpc>
+                <a:spcPct val="107000"/>
+              </a:lnSpc>
+              <a:spcAft>
+                <a:spcPts val="800"/>
+              </a:spcAft>
+            </a:pPr>
+            <a:r>
+              <a:rPr lang="en-US" sz="1600" dirty="0">
+                <a:effectLst/>
+                <a:latin typeface="Calibri" panose="020F0502020204030204" pitchFamily="34" charset="0"/>
+                <a:ea typeface="Malgun Gothic" panose="020B0503020000020004" pitchFamily="34" charset="-127"/>
+                <a:cs typeface="Times New Roman" panose="02020603050405020304" pitchFamily="18" charset="0"/>
+              </a:rPr>
+              <a:t>Why matched sample analyses (e.g., Tables 7-10) have so few observations?</a:t>
             </a:r>
           </a:p>
           <a:p>
@@ -9291,69 +9104,99 @@
               <a:buChar char="-"/>
             </a:pPr>
             <a:r>
-              <a:rPr lang="en-US" sz="1800" dirty="0">
+              <a:rPr lang="en-US" sz="1600" dirty="0">
                 <a:effectLst/>
                 <a:latin typeface="Calibri" panose="020F0502020204030204" pitchFamily="34" charset="0"/>
                 <a:ea typeface="Malgun Gothic" panose="020B0503020000020004" pitchFamily="34" charset="-127"/>
                 <a:cs typeface="Times New Roman" panose="02020603050405020304" pitchFamily="18" charset="0"/>
               </a:rPr>
-              <a:t>RSI is defined as: “investments in production and/or information technology and human capital upgrading” that are specific to a supplier or customer</a:t>
-            </a:r>
-          </a:p>
-          <a:p>
-            <a:pPr marL="1085850" lvl="1" indent="-342900">
-              <a:lnSpc>
-                <a:spcPct val="107000"/>
-              </a:lnSpc>
-              <a:buFont typeface="Calibri" panose="020F0502020204030204" pitchFamily="34" charset="0"/>
-              <a:buChar char="-"/>
-            </a:pPr>
-            <a:r>
-              <a:rPr lang="en-US" sz="1800" dirty="0">
-                <a:latin typeface="Calibri" panose="020F0502020204030204" pitchFamily="34" charset="0"/>
-                <a:ea typeface="Malgun Gothic" panose="020B0503020000020004" pitchFamily="34" charset="-127"/>
-                <a:cs typeface="Times New Roman" panose="02020603050405020304" pitchFamily="18" charset="0"/>
-              </a:rPr>
-              <a:t>Sounds difficult for banks to observe/verify</a:t>
-            </a:r>
-          </a:p>
-          <a:p>
-            <a:pPr marL="1085850" lvl="1" indent="-342900">
-              <a:lnSpc>
-                <a:spcPct val="107000"/>
-              </a:lnSpc>
-              <a:buFont typeface="Calibri" panose="020F0502020204030204" pitchFamily="34" charset="0"/>
-              <a:buChar char="-"/>
-            </a:pPr>
-            <a:r>
-              <a:rPr lang="en-US" sz="1800" dirty="0">
+              <a:t>e.g., RSI </a:t>
+            </a:r>
+            <a:r>
+              <a:rPr lang="en-US" sz="1600" i="1" dirty="0">
                 <a:effectLst/>
                 <a:latin typeface="Calibri" panose="020F0502020204030204" pitchFamily="34" charset="0"/>
                 <a:ea typeface="Malgun Gothic" panose="020B0503020000020004" pitchFamily="34" charset="-127"/>
                 <a:cs typeface="Times New Roman" panose="02020603050405020304" pitchFamily="18" charset="0"/>
               </a:rPr>
-              <a:t>Also, firms have no incentive to reveal the level of RSI</a:t>
-            </a:r>
-          </a:p>
-          <a:p>
-            <a:pPr marL="342900" lvl="0" indent="-342900">
+              <a:t>only</a:t>
+            </a:r>
+            <a:r>
+              <a:rPr lang="en-US" sz="1600" dirty="0">
+                <a:effectLst/>
+                <a:latin typeface="Calibri" panose="020F0502020204030204" pitchFamily="34" charset="0"/>
+                <a:ea typeface="Malgun Gothic" panose="020B0503020000020004" pitchFamily="34" charset="-127"/>
+                <a:cs typeface="Times New Roman" panose="02020603050405020304" pitchFamily="18" charset="0"/>
+              </a:rPr>
+              <a:t> with supplier: 119 firm-year observations?</a:t>
+            </a:r>
+          </a:p>
+          <a:p>
+            <a:pPr>
+              <a:lnSpc>
+                <a:spcPct val="107000"/>
+              </a:lnSpc>
+              <a:spcBef>
+                <a:spcPts val="200"/>
+              </a:spcBef>
+            </a:pPr>
+            <a:r>
+              <a:rPr lang="en-US" sz="1800" b="1" dirty="0">
+                <a:solidFill>
+                  <a:srgbClr val="1F3763"/>
+                </a:solidFill>
+                <a:effectLst/>
+                <a:latin typeface="Calibri Light" panose="020F0302020204030204" pitchFamily="34" charset="0"/>
+                <a:ea typeface="Malgun Gothic" panose="020B0503020000020004" pitchFamily="34" charset="-127"/>
+                <a:cs typeface="Times New Roman" panose="02020603050405020304" pitchFamily="18" charset="0"/>
+              </a:rPr>
+              <a:t>Other points</a:t>
+            </a:r>
+          </a:p>
+          <a:p>
+            <a:pPr>
               <a:lnSpc>
                 <a:spcPct val="107000"/>
               </a:lnSpc>
               <a:spcAft>
                 <a:spcPts val="800"/>
               </a:spcAft>
-              <a:buFont typeface="Calibri" panose="020F0502020204030204" pitchFamily="34" charset="0"/>
-              <a:buChar char="-"/>
             </a:pPr>
             <a:r>
-              <a:rPr lang="en-US" sz="1800" dirty="0">
+              <a:rPr lang="en-US" sz="1600" i="1" dirty="0">
                 <a:effectLst/>
                 <a:latin typeface="Calibri" panose="020F0502020204030204" pitchFamily="34" charset="0"/>
                 <a:ea typeface="Malgun Gothic" panose="020B0503020000020004" pitchFamily="34" charset="-127"/>
                 <a:cs typeface="Times New Roman" panose="02020603050405020304" pitchFamily="18" charset="0"/>
               </a:rPr>
-              <a:t>If banks cannot, the observed difference in bank lending (Table 5) may not come from RSI intensity, but something else related, but more observable factors: supplier- and customer-concentration</a:t>
+              <a:t>Customer</a:t>
+            </a:r>
+            <a:r>
+              <a:rPr lang="en-US" sz="1600" dirty="0">
+                <a:effectLst/>
+                <a:latin typeface="Calibri" panose="020F0502020204030204" pitchFamily="34" charset="0"/>
+                <a:ea typeface="Malgun Gothic" panose="020B0503020000020004" pitchFamily="34" charset="-127"/>
+                <a:cs typeface="Times New Roman" panose="02020603050405020304" pitchFamily="18" charset="0"/>
+              </a:rPr>
+              <a:t> RSI vs. </a:t>
+            </a:r>
+            <a:r>
+              <a:rPr lang="en-US" sz="1600" i="1" dirty="0">
+                <a:effectLst/>
+                <a:latin typeface="Calibri" panose="020F0502020204030204" pitchFamily="34" charset="0"/>
+                <a:ea typeface="Malgun Gothic" panose="020B0503020000020004" pitchFamily="34" charset="-127"/>
+                <a:cs typeface="Times New Roman" panose="02020603050405020304" pitchFamily="18" charset="0"/>
+              </a:rPr>
+              <a:t>Client</a:t>
+            </a:r>
+            <a:r>
+              <a:rPr lang="en-US" sz="1600" dirty="0">
+                <a:effectLst/>
+                <a:latin typeface="Calibri" panose="020F0502020204030204" pitchFamily="34" charset="0"/>
+                <a:ea typeface="Malgun Gothic" panose="020B0503020000020004" pitchFamily="34" charset="-127"/>
+                <a:cs typeface="Times New Roman" panose="02020603050405020304" pitchFamily="18" charset="0"/>
+              </a:rPr>
+              <a:t> RSI: stick to one wording</a:t>
             </a:r>
           </a:p>
         </p:txBody>
@@ -9376,14 +9219,12 @@
         </p:nvSpPr>
         <p:spPr/>
         <p:txBody>
-          <a:bodyPr>
-            <a:normAutofit/>
-          </a:bodyPr>
+          <a:bodyPr/>
           <a:lstStyle/>
           <a:p>
             <a:r>
               <a:rPr lang="en-US" dirty="0"/>
-              <a:t>Banks’ lending decision</a:t>
+              <a:t>Other comments</a:t>
             </a:r>
           </a:p>
         </p:txBody>
@@ -9391,7 +9232,7 @@
     </p:spTree>
     <p:extLst>
       <p:ext uri="{BB962C8B-B14F-4D97-AF65-F5344CB8AC3E}">
-        <p14:creationId xmlns:p14="http://schemas.microsoft.com/office/powerpoint/2010/main" val="690727624"/>
+        <p14:creationId xmlns:p14="http://schemas.microsoft.com/office/powerpoint/2010/main" val="3738338399"/>
       </p:ext>
     </p:extLst>
   </p:cSld>
@@ -9423,322 +9264,6 @@
           <p:cNvPr id="6" name="Content Placeholder 5">
             <a:extLst>
               <a:ext uri="{FF2B5EF4-FFF2-40B4-BE49-F238E27FC236}">
-                <a16:creationId xmlns:a16="http://schemas.microsoft.com/office/drawing/2014/main" id="{BC7A266B-CAD4-6591-7DE6-40C32994784A}"/>
-              </a:ext>
-            </a:extLst>
-          </p:cNvPr>
-          <p:cNvSpPr>
-            <a:spLocks noGrp="1"/>
-          </p:cNvSpPr>
-          <p:nvPr>
-            <p:ph sz="quarter" idx="12"/>
-          </p:nvPr>
-        </p:nvSpPr>
-        <p:spPr/>
-        <p:txBody>
-          <a:bodyPr>
-            <a:normAutofit lnSpcReduction="10000"/>
-          </a:bodyPr>
-          <a:lstStyle/>
-          <a:p>
-            <a:pPr>
-              <a:lnSpc>
-                <a:spcPct val="107000"/>
-              </a:lnSpc>
-              <a:spcBef>
-                <a:spcPts val="200"/>
-              </a:spcBef>
-            </a:pPr>
-            <a:r>
-              <a:rPr lang="en-US" sz="1400" b="1" dirty="0">
-                <a:solidFill>
-                  <a:srgbClr val="1F3763"/>
-                </a:solidFill>
-                <a:effectLst/>
-                <a:latin typeface="Calibri Light" panose="020F0302020204030204" pitchFamily="34" charset="0"/>
-                <a:ea typeface="Malgun Gothic" panose="020B0503020000020004" pitchFamily="34" charset="-127"/>
-                <a:cs typeface="Times New Roman" panose="02020603050405020304" pitchFamily="18" charset="0"/>
-              </a:rPr>
-              <a:t>Data</a:t>
-            </a:r>
-          </a:p>
-          <a:p>
-            <a:pPr>
-              <a:lnSpc>
-                <a:spcPct val="107000"/>
-              </a:lnSpc>
-              <a:spcAft>
-                <a:spcPts val="800"/>
-              </a:spcAft>
-            </a:pPr>
-            <a:r>
-              <a:rPr lang="en-US" sz="1200" dirty="0">
-                <a:effectLst/>
-                <a:latin typeface="Calibri" panose="020F0502020204030204" pitchFamily="34" charset="0"/>
-                <a:ea typeface="Malgun Gothic" panose="020B0503020000020004" pitchFamily="34" charset="-127"/>
-                <a:cs typeface="Times New Roman" panose="02020603050405020304" pitchFamily="18" charset="0"/>
-              </a:rPr>
-              <a:t>Vietnam has 58 provinces + 5 municipalities (Ho Chi Minh, Hanoi Cities etc.). What are the chosen 9 ones, and why? Do they include developed regions?</a:t>
-            </a:r>
-          </a:p>
-          <a:p>
-            <a:pPr>
-              <a:lnSpc>
-                <a:spcPct val="107000"/>
-              </a:lnSpc>
-              <a:spcAft>
-                <a:spcPts val="800"/>
-              </a:spcAft>
-            </a:pPr>
-            <a:r>
-              <a:rPr lang="en-US" sz="1200" dirty="0">
-                <a:effectLst/>
-                <a:latin typeface="Calibri" panose="020F0502020204030204" pitchFamily="34" charset="0"/>
-                <a:ea typeface="Malgun Gothic" panose="020B0503020000020004" pitchFamily="34" charset="-127"/>
-                <a:cs typeface="Times New Roman" panose="02020603050405020304" pitchFamily="18" charset="0"/>
-              </a:rPr>
-              <a:t>What are the criteria to be included in the survey? Size, sales threshold? Need to know which firms are included/excluded</a:t>
-            </a:r>
-          </a:p>
-          <a:p>
-            <a:pPr>
-              <a:lnSpc>
-                <a:spcPct val="107000"/>
-              </a:lnSpc>
-              <a:spcBef>
-                <a:spcPts val="200"/>
-              </a:spcBef>
-            </a:pPr>
-            <a:r>
-              <a:rPr lang="en-US" sz="1400" b="1" dirty="0">
-                <a:solidFill>
-                  <a:srgbClr val="1F3763"/>
-                </a:solidFill>
-                <a:effectLst/>
-                <a:latin typeface="Calibri Light" panose="020F0302020204030204" pitchFamily="34" charset="0"/>
-                <a:ea typeface="Malgun Gothic" panose="020B0503020000020004" pitchFamily="34" charset="-127"/>
-                <a:cs typeface="Times New Roman" panose="02020603050405020304" pitchFamily="18" charset="0"/>
-              </a:rPr>
-              <a:t>Empirics</a:t>
-            </a:r>
-          </a:p>
-          <a:p>
-            <a:pPr>
-              <a:lnSpc>
-                <a:spcPct val="107000"/>
-              </a:lnSpc>
-              <a:spcAft>
-                <a:spcPts val="800"/>
-              </a:spcAft>
-            </a:pPr>
-            <a:r>
-              <a:rPr lang="en-US" sz="1200" dirty="0">
-                <a:effectLst/>
-                <a:latin typeface="Calibri" panose="020F0502020204030204" pitchFamily="34" charset="0"/>
-                <a:ea typeface="Malgun Gothic" panose="020B0503020000020004" pitchFamily="34" charset="-127"/>
-                <a:cs typeface="Times New Roman" panose="02020603050405020304" pitchFamily="18" charset="0"/>
-              </a:rPr>
-              <a:t>Try include geographic region-fixed effects (9 provinces in the sample); don’t know how heterogeneous the provinces are, but better be conservative</a:t>
-            </a:r>
-          </a:p>
-          <a:p>
-            <a:pPr>
-              <a:lnSpc>
-                <a:spcPct val="107000"/>
-              </a:lnSpc>
-              <a:spcAft>
-                <a:spcPts val="800"/>
-              </a:spcAft>
-            </a:pPr>
-            <a:r>
-              <a:rPr lang="en-US" sz="1200" dirty="0">
-                <a:effectLst/>
-                <a:latin typeface="Calibri" panose="020F0502020204030204" pitchFamily="34" charset="0"/>
-                <a:ea typeface="Malgun Gothic" panose="020B0503020000020004" pitchFamily="34" charset="-127"/>
-                <a:cs typeface="Times New Roman" panose="02020603050405020304" pitchFamily="18" charset="0"/>
-              </a:rPr>
-              <a:t>Why matched sample analyses (e.g., Tables 7-10) have so few observations?</a:t>
-            </a:r>
-          </a:p>
-          <a:p>
-            <a:pPr marL="342900" lvl="0" indent="-342900">
-              <a:lnSpc>
-                <a:spcPct val="107000"/>
-              </a:lnSpc>
-              <a:buFont typeface="Calibri" panose="020F0502020204030204" pitchFamily="34" charset="0"/>
-              <a:buChar char="-"/>
-            </a:pPr>
-            <a:r>
-              <a:rPr lang="en-US" sz="1200" dirty="0">
-                <a:effectLst/>
-                <a:latin typeface="Calibri" panose="020F0502020204030204" pitchFamily="34" charset="0"/>
-                <a:ea typeface="Malgun Gothic" panose="020B0503020000020004" pitchFamily="34" charset="-127"/>
-                <a:cs typeface="Times New Roman" panose="02020603050405020304" pitchFamily="18" charset="0"/>
-              </a:rPr>
-              <a:t>e.g., RSI </a:t>
-            </a:r>
-            <a:r>
-              <a:rPr lang="en-US" sz="1200" i="1" dirty="0">
-                <a:effectLst/>
-                <a:latin typeface="Calibri" panose="020F0502020204030204" pitchFamily="34" charset="0"/>
-                <a:ea typeface="Malgun Gothic" panose="020B0503020000020004" pitchFamily="34" charset="-127"/>
-                <a:cs typeface="Times New Roman" panose="02020603050405020304" pitchFamily="18" charset="0"/>
-              </a:rPr>
-              <a:t>only</a:t>
-            </a:r>
-            <a:r>
-              <a:rPr lang="en-US" sz="1200" dirty="0">
-                <a:effectLst/>
-                <a:latin typeface="Calibri" panose="020F0502020204030204" pitchFamily="34" charset="0"/>
-                <a:ea typeface="Malgun Gothic" panose="020B0503020000020004" pitchFamily="34" charset="-127"/>
-                <a:cs typeface="Times New Roman" panose="02020603050405020304" pitchFamily="18" charset="0"/>
-              </a:rPr>
-              <a:t> with supplier: 119 firm-year observations?</a:t>
-            </a:r>
-          </a:p>
-          <a:p>
-            <a:pPr>
-              <a:lnSpc>
-                <a:spcPct val="107000"/>
-              </a:lnSpc>
-              <a:spcBef>
-                <a:spcPts val="200"/>
-              </a:spcBef>
-            </a:pPr>
-            <a:r>
-              <a:rPr lang="en-US" sz="1400" b="1" dirty="0">
-                <a:solidFill>
-                  <a:srgbClr val="1F3763"/>
-                </a:solidFill>
-                <a:effectLst/>
-                <a:latin typeface="Calibri Light" panose="020F0302020204030204" pitchFamily="34" charset="0"/>
-                <a:ea typeface="Malgun Gothic" panose="020B0503020000020004" pitchFamily="34" charset="-127"/>
-                <a:cs typeface="Times New Roman" panose="02020603050405020304" pitchFamily="18" charset="0"/>
-              </a:rPr>
-              <a:t>Other points</a:t>
-            </a:r>
-          </a:p>
-          <a:p>
-            <a:pPr>
-              <a:lnSpc>
-                <a:spcPct val="107000"/>
-              </a:lnSpc>
-              <a:spcAft>
-                <a:spcPts val="800"/>
-              </a:spcAft>
-            </a:pPr>
-            <a:r>
-              <a:rPr lang="en-US" sz="1200" dirty="0">
-                <a:effectLst/>
-                <a:latin typeface="Calibri" panose="020F0502020204030204" pitchFamily="34" charset="0"/>
-                <a:ea typeface="Malgun Gothic" panose="020B0503020000020004" pitchFamily="34" charset="-127"/>
-                <a:cs typeface="Times New Roman" panose="02020603050405020304" pitchFamily="18" charset="0"/>
-              </a:rPr>
-              <a:t>Customer RSI vs. Client RSI: stick to one wording</a:t>
-            </a:r>
-          </a:p>
-          <a:p>
-            <a:pPr>
-              <a:lnSpc>
-                <a:spcPct val="107000"/>
-              </a:lnSpc>
-              <a:spcAft>
-                <a:spcPts val="800"/>
-              </a:spcAft>
-            </a:pPr>
-            <a:r>
-              <a:rPr lang="en-US" sz="1200" dirty="0">
-                <a:effectLst/>
-                <a:latin typeface="Calibri" panose="020F0502020204030204" pitchFamily="34" charset="0"/>
-                <a:ea typeface="Malgun Gothic" panose="020B0503020000020004" pitchFamily="34" charset="-127"/>
-                <a:cs typeface="Times New Roman" panose="02020603050405020304" pitchFamily="18" charset="0"/>
-              </a:rPr>
-              <a:t>Provide baseline </a:t>
-            </a:r>
-            <a:r>
-              <a:rPr lang="en-US" sz="1200" dirty="0" err="1">
-                <a:effectLst/>
-                <a:latin typeface="Calibri" panose="020F0502020204030204" pitchFamily="34" charset="0"/>
-                <a:ea typeface="Malgun Gothic" panose="020B0503020000020004" pitchFamily="34" charset="-127"/>
-                <a:cs typeface="Times New Roman" panose="02020603050405020304" pitchFamily="18" charset="0"/>
-              </a:rPr>
-              <a:t>descriptives</a:t>
-            </a:r>
-            <a:r>
-              <a:rPr lang="en-US" sz="1200" dirty="0">
-                <a:effectLst/>
-                <a:latin typeface="Calibri" panose="020F0502020204030204" pitchFamily="34" charset="0"/>
-                <a:ea typeface="Malgun Gothic" panose="020B0503020000020004" pitchFamily="34" charset="-127"/>
-                <a:cs typeface="Times New Roman" panose="02020603050405020304" pitchFamily="18" charset="0"/>
-              </a:rPr>
-              <a:t>: Firms with RSIs vs. not</a:t>
-            </a:r>
-          </a:p>
-        </p:txBody>
-      </p:sp>
-      <p:sp>
-        <p:nvSpPr>
-          <p:cNvPr id="5" name="Text Placeholder 4">
-            <a:extLst>
-              <a:ext uri="{FF2B5EF4-FFF2-40B4-BE49-F238E27FC236}">
-                <a16:creationId xmlns:a16="http://schemas.microsoft.com/office/drawing/2014/main" id="{2059B151-931A-ABEE-07D4-14E674F8680D}"/>
-              </a:ext>
-            </a:extLst>
-          </p:cNvPr>
-          <p:cNvSpPr>
-            <a:spLocks noGrp="1"/>
-          </p:cNvSpPr>
-          <p:nvPr>
-            <p:ph type="body" sz="quarter" idx="10"/>
-          </p:nvPr>
-        </p:nvSpPr>
-        <p:spPr/>
-        <p:txBody>
-          <a:bodyPr/>
-          <a:lstStyle/>
-          <a:p>
-            <a:r>
-              <a:rPr lang="en-US" dirty="0"/>
-              <a:t>Other comments</a:t>
-            </a:r>
-          </a:p>
-        </p:txBody>
-      </p:sp>
-    </p:spTree>
-    <p:extLst>
-      <p:ext uri="{BB962C8B-B14F-4D97-AF65-F5344CB8AC3E}">
-        <p14:creationId xmlns:p14="http://schemas.microsoft.com/office/powerpoint/2010/main" val="3738338399"/>
-      </p:ext>
-    </p:extLst>
-  </p:cSld>
-  <p:clrMapOvr>
-    <a:masterClrMapping/>
-  </p:clrMapOvr>
-</p:sld>
-</file>
-
-<file path=ppt/slides/slide9.xml><?xml version="1.0" encoding="utf-8"?>
-<p:sld xmlns:a="http://schemas.openxmlformats.org/drawingml/2006/main" xmlns:r="http://schemas.openxmlformats.org/officeDocument/2006/relationships" xmlns:p="http://schemas.openxmlformats.org/presentationml/2006/main">
-  <p:cSld>
-    <p:spTree>
-      <p:nvGrpSpPr>
-        <p:cNvPr id="1" name=""/>
-        <p:cNvGrpSpPr/>
-        <p:nvPr/>
-      </p:nvGrpSpPr>
-      <p:grpSpPr>
-        <a:xfrm>
-          <a:off x="0" y="0"/>
-          <a:ext cx="0" cy="0"/>
-          <a:chOff x="0" y="0"/>
-          <a:chExt cx="0" cy="0"/>
-        </a:xfrm>
-      </p:grpSpPr>
-      <p:sp>
-        <p:nvSpPr>
-          <p:cNvPr id="6" name="Content Placeholder 5">
-            <a:extLst>
-              <a:ext uri="{FF2B5EF4-FFF2-40B4-BE49-F238E27FC236}">
                 <a16:creationId xmlns:a16="http://schemas.microsoft.com/office/drawing/2014/main" id="{69CC6EF2-475C-ADC5-60D2-DD75EB290E04}"/>
               </a:ext>
             </a:extLst>
@@ -9772,7 +9297,7 @@
                 <a:ea typeface="Malgun Gothic" panose="020B0503020000020004" pitchFamily="34" charset="-127"/>
                 <a:cs typeface="Times New Roman" panose="02020603050405020304" pitchFamily="18" charset="0"/>
               </a:rPr>
-              <a:t>Great paper highlighting the diff between customer- and supplier-RSI on focal firms</a:t>
+              <a:t>Great paper differentiating effect of customer- and supplier-RSI on focal firms</a:t>
             </a:r>
           </a:p>
           <a:p>
@@ -9848,7 +9373,7 @@
                 <a:ea typeface="Malgun Gothic" panose="020B0503020000020004" pitchFamily="34" charset="-127"/>
                 <a:cs typeface="Times New Roman" panose="02020603050405020304" pitchFamily="18" charset="0"/>
               </a:rPr>
-              <a:t>My comments are mainly about identification and external validity</a:t>
+              <a:t>My comments are about empirical specification and external validity</a:t>
             </a:r>
           </a:p>
           <a:p>
@@ -9869,7 +9394,7 @@
                 <a:ea typeface="Malgun Gothic" panose="020B0503020000020004" pitchFamily="34" charset="-127"/>
                 <a:cs typeface="Times New Roman" panose="02020603050405020304" pitchFamily="18" charset="0"/>
               </a:rPr>
-              <a:t>Sharpen identification and </a:t>
+              <a:t>Update specification and </a:t>
             </a:r>
             <a:r>
               <a:rPr lang="en-US" sz="1800" dirty="0">
